--- a/Power Point/FlexAppeal_churnanalyse_Gruppe1_Final.pptx
+++ b/Power Point/FlexAppeal_churnanalyse_Gruppe1_Final.pptx
@@ -218,7 +218,7 @@
           <a:p>
             <a:fld id="{703E22D0-69DB-4AD2-BFDB-B6B0697DB30B}" type="datetimeFigureOut">
               <a:rPr lang="de-DE" smtClean="0"/>
-              <a:t>02.06.2025</a:t>
+              <a:t>03.06.2025</a:t>
             </a:fld>
             <a:endParaRPr lang="de-DE" dirty="0"/>
           </a:p>
@@ -383,7 +383,7 @@
           <a:p>
             <a:fld id="{92D0A2B6-884F-47F1-97D4-56FF4241B1BC}" type="datetimeFigureOut">
               <a:rPr lang="de-DE" smtClean="0"/>
-              <a:t>02.06.2025</a:t>
+              <a:t>03.06.2025</a:t>
             </a:fld>
             <a:endParaRPr lang="de-DE" dirty="0"/>
           </a:p>
@@ -2680,7 +2680,7 @@
             <a:pPr rtl="0"/>
             <a:fld id="{02A52895-4A52-4755-8889-F2BBC9E9C626}" type="datetime1">
               <a:rPr lang="de-DE" noProof="0" smtClean="0"/>
-              <a:t>02.06.2025</a:t>
+              <a:t>03.06.2025</a:t>
             </a:fld>
             <a:endParaRPr lang="de-DE" noProof="0" dirty="0"/>
           </a:p>
@@ -3012,7 +3012,7 @@
           <a:p>
             <a:fld id="{B71F5698-784C-4054-9071-CA3CC85891FB}" type="datetime1">
               <a:rPr lang="de-DE" smtClean="0"/>
-              <a:t>02.06.2025</a:t>
+              <a:t>03.06.2025</a:t>
             </a:fld>
             <a:endParaRPr lang="de-DE"/>
           </a:p>
@@ -3192,7 +3192,7 @@
           <a:p>
             <a:fld id="{A1EE30F3-780C-4B08-925A-191D13B34EB4}" type="datetime1">
               <a:rPr lang="de-DE" smtClean="0"/>
-              <a:t>02.06.2025</a:t>
+              <a:t>03.06.2025</a:t>
             </a:fld>
             <a:endParaRPr lang="de-DE"/>
           </a:p>
@@ -3362,7 +3362,7 @@
           <a:p>
             <a:fld id="{482DD87F-9EAB-4B10-B018-3A7AF5A838C3}" type="datetime1">
               <a:rPr lang="de-DE" smtClean="0"/>
-              <a:t>02.06.2025</a:t>
+              <a:t>03.06.2025</a:t>
             </a:fld>
             <a:endParaRPr lang="de-DE"/>
           </a:p>
@@ -3640,7 +3640,7 @@
             <a:pPr rtl="0"/>
             <a:fld id="{E8CA7CB9-25AB-45C1-AC30-EC46333A41DE}" type="datetime1">
               <a:rPr lang="de-DE" noProof="0" smtClean="0"/>
-              <a:t>02.06.2025</a:t>
+              <a:t>03.06.2025</a:t>
             </a:fld>
             <a:endParaRPr lang="de-DE" noProof="0" dirty="0"/>
           </a:p>
@@ -4036,7 +4036,7 @@
           <a:p>
             <a:fld id="{EC30D746-A2D1-4E9A-801C-8AD40B52668D}" type="datetime1">
               <a:rPr lang="de-DE" smtClean="0"/>
-              <a:t>02.06.2025</a:t>
+              <a:t>03.06.2025</a:t>
             </a:fld>
             <a:endParaRPr lang="de-DE"/>
           </a:p>
@@ -4513,7 +4513,7 @@
           <a:p>
             <a:fld id="{9AD7A0A2-17CD-42B8-BC0B-F05FFCA48447}" type="datetime1">
               <a:rPr lang="de-DE" smtClean="0"/>
-              <a:t>02.06.2025</a:t>
+              <a:t>03.06.2025</a:t>
             </a:fld>
             <a:endParaRPr lang="de-DE"/>
           </a:p>
@@ -4632,7 +4632,7 @@
             <a:pPr rtl="0"/>
             <a:fld id="{D997DCE5-B1B3-4856-BF67-318894085DA4}" type="datetime1">
               <a:rPr lang="de-DE" noProof="0" smtClean="0"/>
-              <a:t>02.06.2025</a:t>
+              <a:t>03.06.2025</a:t>
             </a:fld>
             <a:endParaRPr lang="de-DE" noProof="0" dirty="0"/>
           </a:p>
@@ -4730,7 +4730,7 @@
             <a:pPr rtl="0"/>
             <a:fld id="{42F467AB-6C93-4E41-ABAE-5385447ACF07}" type="datetime1">
               <a:rPr lang="de-DE" noProof="0" smtClean="0"/>
-              <a:t>02.06.2025</a:t>
+              <a:t>03.06.2025</a:t>
             </a:fld>
             <a:endParaRPr lang="de-DE" noProof="0" dirty="0"/>
           </a:p>
@@ -5078,7 +5078,7 @@
           <a:p>
             <a:fld id="{A9928C32-8C84-43E7-9782-B01ADBFEF31D}" type="datetime1">
               <a:rPr lang="de-DE" smtClean="0"/>
-              <a:t>02.06.2025</a:t>
+              <a:t>03.06.2025</a:t>
             </a:fld>
             <a:endParaRPr lang="de-DE"/>
           </a:p>
@@ -5467,7 +5467,7 @@
             <a:pPr rtl="0"/>
             <a:fld id="{82F3C32F-851A-4D14-828A-C78B54A7C7A4}" type="datetime1">
               <a:rPr lang="de-DE" noProof="0" smtClean="0"/>
-              <a:t>02.06.2025</a:t>
+              <a:t>03.06.2025</a:t>
             </a:fld>
             <a:endParaRPr lang="de-DE" noProof="0" dirty="0"/>
           </a:p>
@@ -5747,7 +5747,7 @@
           <a:p>
             <a:fld id="{6E6B9A65-1D26-4AE3-BD62-F2F5AD14341A}" type="datetime1">
               <a:rPr lang="de-DE" smtClean="0"/>
-              <a:t>02.06.2025</a:t>
+              <a:t>03.06.2025</a:t>
             </a:fld>
             <a:endParaRPr lang="de-DE"/>
           </a:p>
@@ -7021,7 +7021,7 @@
         </p:nvSpPr>
         <p:spPr>
           <a:xfrm>
-            <a:off x="1841069" y="2110182"/>
+            <a:off x="1956618" y="2110182"/>
             <a:ext cx="7985390" cy="646331"/>
           </a:xfrm>
           <a:prstGeom prst="rect">
@@ -9015,7 +9015,7 @@
                   <a:srgbClr val="FF0000"/>
                 </a:solidFill>
               </a:rPr>
-              <a:t>„ Je kürzer der Vertrag ist, desto höher ist die Wahrscheinlichkeit, dass ein Mitglied ausscheidet.“</a:t>
+              <a:t>„Je kürzer der Vertrag ist, desto höher ist die Wahrscheinlichkeit, dass ein Mitglied ausscheidet.“</a:t>
             </a:r>
           </a:p>
           <a:p>
@@ -9185,7 +9185,7 @@
             </a:extLst>
           </p:cNvPr>
           <p:cNvPicPr>
-            <a:picLocks noChangeAspect="1"/>
+            <a:picLocks noGrp="1" noRot="1" noChangeAspect="1" noMove="1" noResize="1" noEditPoints="1" noAdjustHandles="1" noChangeArrowheads="1" noChangeShapeType="1" noCrop="1"/>
           </p:cNvPicPr>
           <p:nvPr/>
         </p:nvPicPr>
@@ -9303,15 +9303,16 @@
           </a:bodyPr>
           <a:lstStyle/>
           <a:p>
-            <a:pPr algn="l">
-              <a:buNone/>
+            <a:pPr marL="285750" indent="-285750" algn="l">
+              <a:buFont typeface="Arial" panose="020B0604020202020204" pitchFamily="34" charset="0"/>
+              <a:buChar char="•"/>
             </a:pPr>
             <a:r>
               <a:rPr lang="de-DE" b="0" i="0" dirty="0">
                 <a:effectLst/>
                 <a:latin typeface="Source Sans Pro" panose="020B0503030403020204" pitchFamily="34" charset="0"/>
               </a:rPr>
-              <a:t>-Onboarding-Programm für neue Mitglieder </a:t>
+              <a:t>Onboarding-Programm für neue Mitglieder </a:t>
             </a:r>
             <a:r>
               <a:rPr lang="de-DE" b="0" i="0" dirty="0" err="1">
@@ -9329,8 +9330,9 @@
             </a:r>
           </a:p>
           <a:p>
-            <a:pPr algn="l">
-              <a:buNone/>
+            <a:pPr marL="285750" indent="-285750" algn="l">
+              <a:buFont typeface="Arial" panose="020B0604020202020204" pitchFamily="34" charset="0"/>
+              <a:buChar char="•"/>
             </a:pPr>
             <a:endParaRPr lang="de-DE" b="0" i="0" dirty="0">
               <a:effectLst/>
@@ -9338,24 +9340,36 @@
             </a:endParaRPr>
           </a:p>
           <a:p>
+            <a:pPr marL="285750" indent="-285750">
+              <a:buFont typeface="Arial" panose="020B0604020202020204" pitchFamily="34" charset="0"/>
+              <a:buChar char="•"/>
+            </a:pPr>
             <a:r>
               <a:rPr lang="de-DE" dirty="0">
                 <a:latin typeface="Source Sans Pro" panose="020B0503030403020204" pitchFamily="34" charset="0"/>
               </a:rPr>
-              <a:t>-Anreize für längere Verträge schaffen (günstiger wenn Vertrag mehr als 6 Monate ist</a:t>
-            </a:r>
-          </a:p>
-          <a:p>
+              <a:t>Anreize für längere Verträge schaffen (günstiger, wenn Vertrag mehr als 6 Monate ist)</a:t>
+            </a:r>
+          </a:p>
+          <a:p>
+            <a:pPr marL="285750" indent="-285750">
+              <a:buFont typeface="Arial" panose="020B0604020202020204" pitchFamily="34" charset="0"/>
+              <a:buChar char="•"/>
+            </a:pPr>
             <a:endParaRPr lang="de-DE" dirty="0">
               <a:latin typeface="Source Sans Pro" panose="020B0503030403020204" pitchFamily="34" charset="0"/>
             </a:endParaRPr>
           </a:p>
           <a:p>
+            <a:pPr marL="285750" indent="-285750">
+              <a:buFont typeface="Arial" panose="020B0604020202020204" pitchFamily="34" charset="0"/>
+              <a:buChar char="•"/>
+            </a:pPr>
             <a:r>
               <a:rPr lang="de-DE" dirty="0">
                 <a:latin typeface="Source Sans Pro" panose="020B0503030403020204" pitchFamily="34" charset="0"/>
               </a:rPr>
-              <a:t>-Rabattaktion </a:t>
+              <a:t>Rabattaktion </a:t>
             </a:r>
             <a:r>
               <a:rPr lang="de-DE" b="0" i="0" dirty="0">
@@ -9366,19 +9380,25 @@
             </a:r>
           </a:p>
           <a:p>
-            <a:pPr algn="l"/>
+            <a:pPr marL="285750" indent="-285750" algn="l">
+              <a:buFont typeface="Arial" panose="020B0604020202020204" pitchFamily="34" charset="0"/>
+              <a:buChar char="•"/>
+            </a:pPr>
             <a:endParaRPr lang="de-DE" dirty="0">
               <a:latin typeface="Source Sans Pro" panose="020B0503030403020204" pitchFamily="34" charset="0"/>
             </a:endParaRPr>
           </a:p>
           <a:p>
-            <a:pPr algn="l"/>
+            <a:pPr marL="285750" indent="-285750" algn="l">
+              <a:buFont typeface="Arial" panose="020B0604020202020204" pitchFamily="34" charset="0"/>
+              <a:buChar char="•"/>
+            </a:pPr>
             <a:r>
               <a:rPr lang="de-DE" b="0" i="0" dirty="0">
                 <a:effectLst/>
                 <a:latin typeface="Source Sans Pro" panose="020B0503030403020204" pitchFamily="34" charset="0"/>
               </a:rPr>
-              <a:t>-Datenerhebung ausweiten/verbessern ist auch noch eine </a:t>
+              <a:t>Datenerhebung ausweiten/verbessern als weitere</a:t>
             </a:r>
           </a:p>
           <a:p>
@@ -9387,7 +9407,7 @@
               <a:rPr lang="de-DE" dirty="0">
                 <a:latin typeface="Source Sans Pro" panose="020B0503030403020204" pitchFamily="34" charset="0"/>
               </a:rPr>
-              <a:t>Empfehlung</a:t>
+              <a:t>      Empfehlung</a:t>
             </a:r>
             <a:endParaRPr lang="de-DE" b="0" i="0" dirty="0">
               <a:effectLst/>
@@ -9540,7 +9560,7 @@
                 <a:latin typeface="Arial" panose="020B0604020202020204" pitchFamily="34" charset="0"/>
                 <a:cs typeface="Arial" panose="020B0604020202020204" pitchFamily="34" charset="0"/>
               </a:rPr>
-              <a:t>Vorstellung von :</a:t>
+              <a:t>Vorstellung von:</a:t>
             </a:r>
             <a:br>
               <a:rPr lang="de-DE" b="1" dirty="0">
@@ -11419,7 +11439,7 @@
             </a:extLst>
           </p:cNvPr>
           <p:cNvPicPr>
-            <a:picLocks noChangeAspect="1"/>
+            <a:picLocks noGrp="1" noRot="1" noChangeAspect="1" noMove="1" noResize="1" noEditPoints="1" noAdjustHandles="1" noChangeArrowheads="1" noChangeShapeType="1" noCrop="1"/>
           </p:cNvPicPr>
           <p:nvPr/>
         </p:nvPicPr>
@@ -11699,7 +11719,7 @@
                 <a:ea typeface="Cambria" panose="02040503050406030204" pitchFamily="18" charset="0"/>
                 <a:cs typeface="Times New Roman" panose="02020603050405020304" pitchFamily="18" charset="0"/>
               </a:rPr>
-              <a:t>iemand kündig</a:t>
+              <a:t>iemand kündigt</a:t>
             </a:r>
           </a:p>
           <a:p>
@@ -11906,7 +11926,7 @@
             </a:extLst>
           </p:cNvPr>
           <p:cNvPicPr>
-            <a:picLocks noChangeAspect="1"/>
+            <a:picLocks noGrp="1" noRot="1" noChangeAspect="1" noMove="1" noResize="1" noEditPoints="1" noAdjustHandles="1" noChangeArrowheads="1" noChangeShapeType="1" noCrop="1"/>
           </p:cNvPicPr>
           <p:nvPr/>
         </p:nvPicPr>
@@ -14141,21 +14161,21 @@
 </file>
 
 <file path=customXml/item1.xml><?xml version="1.0" encoding="utf-8"?>
+<p:properties xmlns:p="http://schemas.microsoft.com/office/2006/metadata/properties" xmlns:xsi="http://www.w3.org/2001/XMLSchema-instance" xmlns:pc="http://schemas.microsoft.com/office/infopath/2007/PartnerControls">
+  <documentManagement>
+    <Status xmlns="71af3243-3dd4-4a8d-8c0d-dd76da1f02a5">Not started</Status>
+    <MediaServiceKeyPoints xmlns="71af3243-3dd4-4a8d-8c0d-dd76da1f02a5" xsi:nil="true"/>
+  </documentManagement>
+</p:properties>
+</file>
+
+<file path=customXml/item2.xml><?xml version="1.0" encoding="utf-8"?>
 <?mso-contentType ?>
 <FormTemplates xmlns="http://schemas.microsoft.com/sharepoint/v3/contenttype/forms">
   <Display>DocumentLibraryForm</Display>
   <Edit>DocumentLibraryForm</Edit>
   <New>DocumentLibraryForm</New>
 </FormTemplates>
-</file>
-
-<file path=customXml/item2.xml><?xml version="1.0" encoding="utf-8"?>
-<p:properties xmlns:p="http://schemas.microsoft.com/office/2006/metadata/properties" xmlns:xsi="http://www.w3.org/2001/XMLSchema-instance" xmlns:pc="http://schemas.microsoft.com/office/infopath/2007/PartnerControls">
-  <documentManagement>
-    <Status xmlns="71af3243-3dd4-4a8d-8c0d-dd76da1f02a5">Not started</Status>
-    <MediaServiceKeyPoints xmlns="71af3243-3dd4-4a8d-8c0d-dd76da1f02a5" xsi:nil="true"/>
-  </documentManagement>
-</p:properties>
 </file>
 
 <file path=customXml/item3.xml><?xml version="1.0" encoding="utf-8"?>
@@ -14380,19 +14400,19 @@
 </file>
 
 <file path=customXml/itemProps1.xml><?xml version="1.0" encoding="utf-8"?>
-<ds:datastoreItem xmlns:ds="http://schemas.openxmlformats.org/officeDocument/2006/customXml" ds:itemID="{AA3F7EDC-E5B4-4BBC-9D2A-CBE6D46C37AD}">
+<ds:datastoreItem xmlns:ds="http://schemas.openxmlformats.org/officeDocument/2006/customXml" ds:itemID="{A03EEFF0-FB57-4CB4-8BFC-DF397689E2ED}">
   <ds:schemaRefs>
-    <ds:schemaRef ds:uri="http://schemas.microsoft.com/sharepoint/v3/contenttype/forms"/>
+    <ds:schemaRef ds:uri="http://schemas.microsoft.com/office/2006/metadata/properties"/>
+    <ds:schemaRef ds:uri="http://schemas.microsoft.com/office/infopath/2007/PartnerControls"/>
+    <ds:schemaRef ds:uri="71af3243-3dd4-4a8d-8c0d-dd76da1f02a5"/>
   </ds:schemaRefs>
 </ds:datastoreItem>
 </file>
 
 <file path=customXml/itemProps2.xml><?xml version="1.0" encoding="utf-8"?>
-<ds:datastoreItem xmlns:ds="http://schemas.openxmlformats.org/officeDocument/2006/customXml" ds:itemID="{A03EEFF0-FB57-4CB4-8BFC-DF397689E2ED}">
+<ds:datastoreItem xmlns:ds="http://schemas.openxmlformats.org/officeDocument/2006/customXml" ds:itemID="{AA3F7EDC-E5B4-4BBC-9D2A-CBE6D46C37AD}">
   <ds:schemaRefs>
-    <ds:schemaRef ds:uri="http://schemas.microsoft.com/office/2006/metadata/properties"/>
-    <ds:schemaRef ds:uri="http://schemas.microsoft.com/office/infopath/2007/PartnerControls"/>
-    <ds:schemaRef ds:uri="71af3243-3dd4-4a8d-8c0d-dd76da1f02a5"/>
+    <ds:schemaRef ds:uri="http://schemas.microsoft.com/sharepoint/v3/contenttype/forms"/>
   </ds:schemaRefs>
 </ds:datastoreItem>
 </file>
